--- a/Obsidian_Unstructured_Data_Search_Engine_____Freeform_Linguistic_Symbol_Data/Obsidian_USE_Plan_Phase_01.pptx
+++ b/Obsidian_Unstructured_Data_Search_Engine_____Freeform_Linguistic_Symbol_Data/Obsidian_USE_Plan_Phase_01.pptx
@@ -255,7 +255,7 @@
             <a:fld id="{ADD072A5-80F2-459C-8EED-9DCE35A75F4A}" type="datetimeFigureOut">
               <a:rPr lang="en-GB" smtClean="0"/>
               <a:pPr/>
-              <a:t>15/11/2020</a:t>
+              <a:t>09/01/2023</a:t>
             </a:fld>
             <a:endParaRPr lang="en-GB"/>
           </a:p>
@@ -427,7 +427,7 @@
             <a:fld id="{ADD072A5-80F2-459C-8EED-9DCE35A75F4A}" type="datetimeFigureOut">
               <a:rPr lang="en-GB" smtClean="0"/>
               <a:pPr/>
-              <a:t>15/11/2020</a:t>
+              <a:t>09/01/2023</a:t>
             </a:fld>
             <a:endParaRPr lang="en-GB"/>
           </a:p>
@@ -609,7 +609,7 @@
             <a:fld id="{ADD072A5-80F2-459C-8EED-9DCE35A75F4A}" type="datetimeFigureOut">
               <a:rPr lang="en-GB" smtClean="0"/>
               <a:pPr/>
-              <a:t>15/11/2020</a:t>
+              <a:t>09/01/2023</a:t>
             </a:fld>
             <a:endParaRPr lang="en-GB"/>
           </a:p>
@@ -781,7 +781,7 @@
             <a:fld id="{ADD072A5-80F2-459C-8EED-9DCE35A75F4A}" type="datetimeFigureOut">
               <a:rPr lang="en-GB" smtClean="0"/>
               <a:pPr/>
-              <a:t>15/11/2020</a:t>
+              <a:t>09/01/2023</a:t>
             </a:fld>
             <a:endParaRPr lang="en-GB"/>
           </a:p>
@@ -1029,7 +1029,7 @@
             <a:fld id="{ADD072A5-80F2-459C-8EED-9DCE35A75F4A}" type="datetimeFigureOut">
               <a:rPr lang="en-GB" smtClean="0"/>
               <a:pPr/>
-              <a:t>15/11/2020</a:t>
+              <a:t>09/01/2023</a:t>
             </a:fld>
             <a:endParaRPr lang="en-GB"/>
           </a:p>
@@ -1263,7 +1263,7 @@
             <a:fld id="{ADD072A5-80F2-459C-8EED-9DCE35A75F4A}" type="datetimeFigureOut">
               <a:rPr lang="en-GB" smtClean="0"/>
               <a:pPr/>
-              <a:t>15/11/2020</a:t>
+              <a:t>09/01/2023</a:t>
             </a:fld>
             <a:endParaRPr lang="en-GB"/>
           </a:p>
@@ -1632,7 +1632,7 @@
             <a:fld id="{ADD072A5-80F2-459C-8EED-9DCE35A75F4A}" type="datetimeFigureOut">
               <a:rPr lang="en-GB" smtClean="0"/>
               <a:pPr/>
-              <a:t>15/11/2020</a:t>
+              <a:t>09/01/2023</a:t>
             </a:fld>
             <a:endParaRPr lang="en-GB"/>
           </a:p>
@@ -1752,7 +1752,7 @@
             <a:fld id="{ADD072A5-80F2-459C-8EED-9DCE35A75F4A}" type="datetimeFigureOut">
               <a:rPr lang="en-GB" smtClean="0"/>
               <a:pPr/>
-              <a:t>15/11/2020</a:t>
+              <a:t>09/01/2023</a:t>
             </a:fld>
             <a:endParaRPr lang="en-GB"/>
           </a:p>
@@ -1849,7 +1849,7 @@
             <a:fld id="{ADD072A5-80F2-459C-8EED-9DCE35A75F4A}" type="datetimeFigureOut">
               <a:rPr lang="en-GB" smtClean="0"/>
               <a:pPr/>
-              <a:t>15/11/2020</a:t>
+              <a:t>09/01/2023</a:t>
             </a:fld>
             <a:endParaRPr lang="en-GB"/>
           </a:p>
@@ -2128,7 +2128,7 @@
             <a:fld id="{ADD072A5-80F2-459C-8EED-9DCE35A75F4A}" type="datetimeFigureOut">
               <a:rPr lang="en-GB" smtClean="0"/>
               <a:pPr/>
-              <a:t>15/11/2020</a:t>
+              <a:t>09/01/2023</a:t>
             </a:fld>
             <a:endParaRPr lang="en-GB"/>
           </a:p>
@@ -2383,7 +2383,7 @@
             <a:fld id="{ADD072A5-80F2-459C-8EED-9DCE35A75F4A}" type="datetimeFigureOut">
               <a:rPr lang="en-GB" smtClean="0"/>
               <a:pPr/>
-              <a:t>15/11/2020</a:t>
+              <a:t>09/01/2023</a:t>
             </a:fld>
             <a:endParaRPr lang="en-GB"/>
           </a:p>
@@ -2598,7 +2598,7 @@
             <a:fld id="{ADD072A5-80F2-459C-8EED-9DCE35A75F4A}" type="datetimeFigureOut">
               <a:rPr lang="en-GB" smtClean="0"/>
               <a:pPr/>
-              <a:t>15/11/2020</a:t>
+              <a:t>09/01/2023</a:t>
             </a:fld>
             <a:endParaRPr lang="en-GB"/>
           </a:p>
@@ -3396,7 +3396,7 @@
             <a:pPr algn="ctr"/>
             <a:r>
               <a:rPr lang="en-GB" dirty="0"/>
-              <a:t>Literal Intent</a:t>
+              <a:t>Logical Intent</a:t>
             </a:r>
           </a:p>
         </p:txBody>

--- a/Obsidian_Unstructured_Data_Search_Engine_____Freeform_Linguistic_Symbol_Data/Obsidian_USE_Plan_Phase_01.pptx
+++ b/Obsidian_Unstructured_Data_Search_Engine_____Freeform_Linguistic_Symbol_Data/Obsidian_USE_Plan_Phase_01.pptx
@@ -255,7 +255,7 @@
             <a:fld id="{ADD072A5-80F2-459C-8EED-9DCE35A75F4A}" type="datetimeFigureOut">
               <a:rPr lang="en-GB" smtClean="0"/>
               <a:pPr/>
-              <a:t>09/01/2023</a:t>
+              <a:t>26/02/2023</a:t>
             </a:fld>
             <a:endParaRPr lang="en-GB"/>
           </a:p>
@@ -427,7 +427,7 @@
             <a:fld id="{ADD072A5-80F2-459C-8EED-9DCE35A75F4A}" type="datetimeFigureOut">
               <a:rPr lang="en-GB" smtClean="0"/>
               <a:pPr/>
-              <a:t>09/01/2023</a:t>
+              <a:t>26/02/2023</a:t>
             </a:fld>
             <a:endParaRPr lang="en-GB"/>
           </a:p>
@@ -609,7 +609,7 @@
             <a:fld id="{ADD072A5-80F2-459C-8EED-9DCE35A75F4A}" type="datetimeFigureOut">
               <a:rPr lang="en-GB" smtClean="0"/>
               <a:pPr/>
-              <a:t>09/01/2023</a:t>
+              <a:t>26/02/2023</a:t>
             </a:fld>
             <a:endParaRPr lang="en-GB"/>
           </a:p>
@@ -781,7 +781,7 @@
             <a:fld id="{ADD072A5-80F2-459C-8EED-9DCE35A75F4A}" type="datetimeFigureOut">
               <a:rPr lang="en-GB" smtClean="0"/>
               <a:pPr/>
-              <a:t>09/01/2023</a:t>
+              <a:t>26/02/2023</a:t>
             </a:fld>
             <a:endParaRPr lang="en-GB"/>
           </a:p>
@@ -1029,7 +1029,7 @@
             <a:fld id="{ADD072A5-80F2-459C-8EED-9DCE35A75F4A}" type="datetimeFigureOut">
               <a:rPr lang="en-GB" smtClean="0"/>
               <a:pPr/>
-              <a:t>09/01/2023</a:t>
+              <a:t>26/02/2023</a:t>
             </a:fld>
             <a:endParaRPr lang="en-GB"/>
           </a:p>
@@ -1263,7 +1263,7 @@
             <a:fld id="{ADD072A5-80F2-459C-8EED-9DCE35A75F4A}" type="datetimeFigureOut">
               <a:rPr lang="en-GB" smtClean="0"/>
               <a:pPr/>
-              <a:t>09/01/2023</a:t>
+              <a:t>26/02/2023</a:t>
             </a:fld>
             <a:endParaRPr lang="en-GB"/>
           </a:p>
@@ -1632,7 +1632,7 @@
             <a:fld id="{ADD072A5-80F2-459C-8EED-9DCE35A75F4A}" type="datetimeFigureOut">
               <a:rPr lang="en-GB" smtClean="0"/>
               <a:pPr/>
-              <a:t>09/01/2023</a:t>
+              <a:t>26/02/2023</a:t>
             </a:fld>
             <a:endParaRPr lang="en-GB"/>
           </a:p>
@@ -1752,7 +1752,7 @@
             <a:fld id="{ADD072A5-80F2-459C-8EED-9DCE35A75F4A}" type="datetimeFigureOut">
               <a:rPr lang="en-GB" smtClean="0"/>
               <a:pPr/>
-              <a:t>09/01/2023</a:t>
+              <a:t>26/02/2023</a:t>
             </a:fld>
             <a:endParaRPr lang="en-GB"/>
           </a:p>
@@ -1849,7 +1849,7 @@
             <a:fld id="{ADD072A5-80F2-459C-8EED-9DCE35A75F4A}" type="datetimeFigureOut">
               <a:rPr lang="en-GB" smtClean="0"/>
               <a:pPr/>
-              <a:t>09/01/2023</a:t>
+              <a:t>26/02/2023</a:t>
             </a:fld>
             <a:endParaRPr lang="en-GB"/>
           </a:p>
@@ -2128,7 +2128,7 @@
             <a:fld id="{ADD072A5-80F2-459C-8EED-9DCE35A75F4A}" type="datetimeFigureOut">
               <a:rPr lang="en-GB" smtClean="0"/>
               <a:pPr/>
-              <a:t>09/01/2023</a:t>
+              <a:t>26/02/2023</a:t>
             </a:fld>
             <a:endParaRPr lang="en-GB"/>
           </a:p>
@@ -2383,7 +2383,7 @@
             <a:fld id="{ADD072A5-80F2-459C-8EED-9DCE35A75F4A}" type="datetimeFigureOut">
               <a:rPr lang="en-GB" smtClean="0"/>
               <a:pPr/>
-              <a:t>09/01/2023</a:t>
+              <a:t>26/02/2023</a:t>
             </a:fld>
             <a:endParaRPr lang="en-GB"/>
           </a:p>
@@ -2598,7 +2598,7 @@
             <a:fld id="{ADD072A5-80F2-459C-8EED-9DCE35A75F4A}" type="datetimeFigureOut">
               <a:rPr lang="en-GB" smtClean="0"/>
               <a:pPr/>
-              <a:t>09/01/2023</a:t>
+              <a:t>26/02/2023</a:t>
             </a:fld>
             <a:endParaRPr lang="en-GB"/>
           </a:p>
@@ -3151,7 +3151,7 @@
             <a:pPr algn="ctr"/>
             <a:r>
               <a:rPr lang="en-GB" dirty="0"/>
-              <a:t>Synonyms</a:t>
+              <a:t>Semantic Associates</a:t>
             </a:r>
           </a:p>
         </p:txBody>
